--- a/MSANDE228_Lecture17_Heterogeneous_Treatment_Effects.pptx
+++ b/MSANDE228_Lecture17_Heterogeneous_Treatment_Effects.pptx
@@ -15864,13 +15864,13 @@
         <p:spPr/>
         <p:txBody>
           <a:bodyPr>
-            <a:normAutofit fontScale="90000"/>
+            <a:normAutofit/>
           </a:bodyPr>
           <a:lstStyle/>
           <a:p>
             <a:r>
               <a:rPr lang="en-US" dirty="0"/>
-              <a:t>MS&amp;E 228: Unobserved Confounding and Instruments</a:t>
+              <a:t>MS&amp;E 228: Heterogeneous Treatment Effects</a:t>
             </a:r>
           </a:p>
         </p:txBody>
@@ -16050,8 +16050,8 @@
           </a:p>
         </p:txBody>
       </p:sp>
-      <mc:AlternateContent xmlns:mc="http://schemas.openxmlformats.org/markup-compatibility/2006">
-        <mc:Choice xmlns:a14="http://schemas.microsoft.com/office/drawing/2010/main" Requires="a14">
+      <mc:AlternateContent xmlns:mc="http://schemas.openxmlformats.org/markup-compatibility/2006" xmlns:a14="http://schemas.microsoft.com/office/drawing/2010/main">
+        <mc:Choice Requires="a14">
           <p:sp>
             <p:nvSpPr>
               <p:cNvPr id="3" name="Content Placeholder 2">
@@ -16317,7 +16317,7 @@
             </p:txBody>
           </p:sp>
         </mc:Choice>
-        <mc:Fallback>
+        <mc:Fallback xmlns="">
           <p:sp>
             <p:nvSpPr>
               <p:cNvPr id="3" name="Content Placeholder 2">
@@ -16415,8 +16415,8 @@
           </a:p>
         </p:txBody>
       </p:sp>
-      <mc:AlternateContent xmlns:mc="http://schemas.openxmlformats.org/markup-compatibility/2006">
-        <mc:Choice xmlns:a14="http://schemas.microsoft.com/office/drawing/2010/main" Requires="a14">
+      <mc:AlternateContent xmlns:mc="http://schemas.openxmlformats.org/markup-compatibility/2006" xmlns:a14="http://schemas.microsoft.com/office/drawing/2010/main">
+        <mc:Choice Requires="a14">
           <p:sp>
             <p:nvSpPr>
               <p:cNvPr id="3" name="Content Placeholder 2">
@@ -16843,7 +16843,7 @@
             </p:txBody>
           </p:sp>
         </mc:Choice>
-        <mc:Fallback>
+        <mc:Fallback xmlns="">
           <p:sp>
             <p:nvSpPr>
               <p:cNvPr id="3" name="Content Placeholder 2">
@@ -16941,8 +16941,8 @@
           </a:p>
         </p:txBody>
       </p:sp>
-      <mc:AlternateContent xmlns:mc="http://schemas.openxmlformats.org/markup-compatibility/2006">
-        <mc:Choice xmlns:a14="http://schemas.microsoft.com/office/drawing/2010/main" Requires="a14">
+      <mc:AlternateContent xmlns:mc="http://schemas.openxmlformats.org/markup-compatibility/2006" xmlns:a14="http://schemas.microsoft.com/office/drawing/2010/main">
+        <mc:Choice Requires="a14">
           <p:sp>
             <p:nvSpPr>
               <p:cNvPr id="3" name="Content Placeholder 2">
@@ -17468,7 +17468,7 @@
             </p:txBody>
           </p:sp>
         </mc:Choice>
-        <mc:Fallback>
+        <mc:Fallback xmlns="">
           <p:sp>
             <p:nvSpPr>
               <p:cNvPr id="3" name="Content Placeholder 2">
@@ -17566,8 +17566,8 @@
           </a:p>
         </p:txBody>
       </p:sp>
-      <mc:AlternateContent xmlns:mc="http://schemas.openxmlformats.org/markup-compatibility/2006">
-        <mc:Choice xmlns:a14="http://schemas.microsoft.com/office/drawing/2010/main" Requires="a14">
+      <mc:AlternateContent xmlns:mc="http://schemas.openxmlformats.org/markup-compatibility/2006" xmlns:a14="http://schemas.microsoft.com/office/drawing/2010/main">
+        <mc:Choice Requires="a14">
           <p:sp>
             <p:nvSpPr>
               <p:cNvPr id="3" name="Content Placeholder 2">
@@ -18699,7 +18699,7 @@
             </p:txBody>
           </p:sp>
         </mc:Choice>
-        <mc:Fallback>
+        <mc:Fallback xmlns="">
           <p:sp>
             <p:nvSpPr>
               <p:cNvPr id="3" name="Content Placeholder 2">
@@ -18801,8 +18801,8 @@
           </a:p>
         </p:txBody>
       </p:sp>
-      <mc:AlternateContent xmlns:mc="http://schemas.openxmlformats.org/markup-compatibility/2006">
-        <mc:Choice xmlns:a14="http://schemas.microsoft.com/office/drawing/2010/main" Requires="a14">
+      <mc:AlternateContent xmlns:mc="http://schemas.openxmlformats.org/markup-compatibility/2006" xmlns:a14="http://schemas.microsoft.com/office/drawing/2010/main">
+        <mc:Choice Requires="a14">
           <p:sp>
             <p:nvSpPr>
               <p:cNvPr id="3" name="Content Placeholder 2">
@@ -18988,19 +18988,7 @@
                                 <a:rPr lang="en-US" b="0" i="1" smtClean="0">
                                   <a:latin typeface="Cambria Math" panose="02040503050406030204" pitchFamily="18" charset="0"/>
                                 </a:rPr>
-                                <m:t>=</m:t>
-                              </m:r>
-                              <m:r>
-                                <a:rPr lang="en-US" b="0" i="1" smtClean="0">
-                                  <a:latin typeface="Cambria Math" panose="02040503050406030204" pitchFamily="18" charset="0"/>
-                                </a:rPr>
-                                <m:t>0</m:t>
-                              </m:r>
-                              <m:r>
-                                <a:rPr lang="en-US" b="0" i="1" smtClean="0">
-                                  <a:latin typeface="Cambria Math" panose="02040503050406030204" pitchFamily="18" charset="0"/>
-                                </a:rPr>
-                                <m:t>,</m:t>
+                                <m:t>=0,</m:t>
                               </m:r>
                               <m:r>
                                 <a:rPr lang="en-US" b="0" i="1" smtClean="0">
@@ -19022,19 +19010,7 @@
                             <a:rPr lang="en-US" b="0" i="1" smtClean="0">
                               <a:latin typeface="Cambria Math" panose="02040503050406030204" pitchFamily="18" charset="0"/>
                             </a:rPr>
-                            <m:t>=</m:t>
-                          </m:r>
-                          <m:r>
-                            <a:rPr lang="en-US" b="0" i="1" smtClean="0">
-                              <a:latin typeface="Cambria Math" panose="02040503050406030204" pitchFamily="18" charset="0"/>
-                            </a:rPr>
-                            <m:t>1</m:t>
-                          </m:r>
-                          <m:r>
-                            <a:rPr lang="en-US" b="0" i="1" smtClean="0">
-                              <a:latin typeface="Cambria Math" panose="02040503050406030204" pitchFamily="18" charset="0"/>
-                            </a:rPr>
-                            <m:t>, </m:t>
+                            <m:t>=1, </m:t>
                           </m:r>
                           <m:r>
                             <a:rPr lang="en-US" b="0" i="1" smtClean="0">
@@ -19196,19 +19172,7 @@
                                 <a:rPr lang="en-US" i="1">
                                   <a:latin typeface="Cambria Math" panose="02040503050406030204" pitchFamily="18" charset="0"/>
                                 </a:rPr>
-                                <m:t>=</m:t>
-                              </m:r>
-                              <m:r>
-                                <a:rPr lang="en-US" b="0" i="1" smtClean="0">
-                                  <a:latin typeface="Cambria Math" panose="02040503050406030204" pitchFamily="18" charset="0"/>
-                                </a:rPr>
-                                <m:t>1</m:t>
-                              </m:r>
-                              <m:r>
-                                <a:rPr lang="en-US" i="1">
-                                  <a:latin typeface="Cambria Math" panose="02040503050406030204" pitchFamily="18" charset="0"/>
-                                </a:rPr>
-                                <m:t>,</m:t>
+                                <m:t>=1,</m:t>
                               </m:r>
                               <m:r>
                                 <a:rPr lang="en-US" b="0" i="1" smtClean="0">
@@ -19242,19 +19206,7 @@
                             <a:rPr lang="en-US" i="1">
                               <a:latin typeface="Cambria Math" panose="02040503050406030204" pitchFamily="18" charset="0"/>
                             </a:rPr>
-                            <m:t>=</m:t>
-                          </m:r>
-                          <m:r>
-                            <a:rPr lang="en-US" b="0" i="1" smtClean="0">
-                              <a:latin typeface="Cambria Math" panose="02040503050406030204" pitchFamily="18" charset="0"/>
-                            </a:rPr>
-                            <m:t>0</m:t>
-                          </m:r>
-                          <m:r>
-                            <a:rPr lang="en-US" i="1">
-                              <a:latin typeface="Cambria Math" panose="02040503050406030204" pitchFamily="18" charset="0"/>
-                            </a:rPr>
-                            <m:t>, </m:t>
+                            <m:t>=0, </m:t>
                           </m:r>
                           <m:r>
                             <a:rPr lang="en-US" b="0" i="1" smtClean="0">
@@ -19284,7 +19236,7 @@
             </p:txBody>
           </p:sp>
         </mc:Choice>
-        <mc:Fallback>
+        <mc:Fallback xmlns="">
           <p:sp>
             <p:nvSpPr>
               <p:cNvPr id="3" name="Content Placeholder 2">
@@ -19324,8 +19276,8 @@
           </p:sp>
         </mc:Fallback>
       </mc:AlternateContent>
-      <mc:AlternateContent xmlns:mc="http://schemas.openxmlformats.org/markup-compatibility/2006">
-        <mc:Choice xmlns:a14="http://schemas.microsoft.com/office/drawing/2010/main" Requires="a14">
+      <mc:AlternateContent xmlns:mc="http://schemas.openxmlformats.org/markup-compatibility/2006" xmlns:a14="http://schemas.microsoft.com/office/drawing/2010/main">
+        <mc:Choice Requires="a14">
           <p:sp>
             <p:nvSpPr>
               <p:cNvPr id="4" name="Speech Bubble: Rectangle with Corners Rounded 3">
@@ -19416,7 +19368,7 @@
                         <a:solidFill>
                           <a:schemeClr val="tx1"/>
                         </a:solidFill>
-                        <a:latin typeface="+mj-lt"/>
+                        <a:latin typeface="Cambria Math" panose="02040503050406030204" pitchFamily="18" charset="0"/>
                       </a:rPr>
                       <m:t>𝑌</m:t>
                     </m:r>
@@ -19427,7 +19379,7 @@
                             <a:solidFill>
                               <a:schemeClr val="tx1"/>
                             </a:solidFill>
-                            <a:latin typeface="+mj-lt"/>
+                            <a:latin typeface="Cambria Math" panose="02040503050406030204" pitchFamily="18" charset="0"/>
                           </a:rPr>
                         </m:ctrlPr>
                       </m:dPr>
@@ -19437,7 +19389,7 @@
                             <a:solidFill>
                               <a:schemeClr val="tx1"/>
                             </a:solidFill>
-                            <a:latin typeface="+mj-lt"/>
+                            <a:latin typeface="Cambria Math" panose="02040503050406030204" pitchFamily="18" charset="0"/>
                           </a:rPr>
                           <m:t>1</m:t>
                         </m:r>
@@ -19448,7 +19400,7 @@
                         <a:solidFill>
                           <a:schemeClr val="tx1"/>
                         </a:solidFill>
-                        <a:latin typeface="+mj-lt"/>
+                        <a:latin typeface="Cambria Math" panose="02040503050406030204" pitchFamily="18" charset="0"/>
                       </a:rPr>
                       <m:t>≡</m:t>
                     </m:r>
@@ -19457,7 +19409,7 @@
                         <a:solidFill>
                           <a:schemeClr val="tx1"/>
                         </a:solidFill>
-                        <a:latin typeface="+mj-lt"/>
+                        <a:latin typeface="Cambria Math" panose="02040503050406030204" pitchFamily="18" charset="0"/>
                       </a:rPr>
                       <m:t>𝑌</m:t>
                     </m:r>
@@ -19468,7 +19420,7 @@
                             <a:solidFill>
                               <a:schemeClr val="tx1"/>
                             </a:solidFill>
-                            <a:latin typeface="+mj-lt"/>
+                            <a:latin typeface="Cambria Math" panose="02040503050406030204" pitchFamily="18" charset="0"/>
                           </a:rPr>
                         </m:ctrlPr>
                       </m:dPr>
@@ -19478,7 +19430,7 @@
                             <a:solidFill>
                               <a:schemeClr val="tx1"/>
                             </a:solidFill>
-                            <a:latin typeface="+mj-lt"/>
+                            <a:latin typeface="Cambria Math" panose="02040503050406030204" pitchFamily="18" charset="0"/>
                           </a:rPr>
                           <m:t>𝐷</m:t>
                         </m:r>
@@ -19489,7 +19441,7 @@
                         <a:solidFill>
                           <a:schemeClr val="tx1"/>
                         </a:solidFill>
-                        <a:latin typeface="+mj-lt"/>
+                        <a:latin typeface="Cambria Math" panose="02040503050406030204" pitchFamily="18" charset="0"/>
                       </a:rPr>
                       <m:t>=</m:t>
                     </m:r>
@@ -19498,7 +19450,7 @@
                         <a:solidFill>
                           <a:schemeClr val="tx1"/>
                         </a:solidFill>
-                        <a:latin typeface="+mj-lt"/>
+                        <a:latin typeface="Cambria Math" panose="02040503050406030204" pitchFamily="18" charset="0"/>
                       </a:rPr>
                       <m:t>𝑌</m:t>
                     </m:r>
@@ -19532,7 +19484,7 @@
                             <a:solidFill>
                               <a:schemeClr val="tx1"/>
                             </a:solidFill>
-                            <a:latin typeface="+mj-lt"/>
+                            <a:latin typeface="Cambria Math" panose="02040503050406030204" pitchFamily="18" charset="0"/>
                           </a:rPr>
                         </m:ctrlPr>
                       </m:accPr>
@@ -19542,7 +19494,7 @@
                             <a:solidFill>
                               <a:schemeClr val="tx1"/>
                             </a:solidFill>
-                            <a:latin typeface="+mj-lt"/>
+                            <a:latin typeface="Cambria Math" panose="02040503050406030204" pitchFamily="18" charset="0"/>
                           </a:rPr>
                           <m:t>𝑌</m:t>
                         </m:r>
@@ -19555,7 +19507,7 @@
                             <a:solidFill>
                               <a:schemeClr val="tx1"/>
                             </a:solidFill>
-                            <a:latin typeface="+mj-lt"/>
+                            <a:latin typeface="Cambria Math" panose="02040503050406030204" pitchFamily="18" charset="0"/>
                           </a:rPr>
                         </m:ctrlPr>
                       </m:dPr>
@@ -19565,7 +19517,7 @@
                             <a:solidFill>
                               <a:schemeClr val="tx1"/>
                             </a:solidFill>
-                            <a:latin typeface="+mj-lt"/>
+                            <a:latin typeface="Cambria Math" panose="02040503050406030204" pitchFamily="18" charset="0"/>
                           </a:rPr>
                           <m:t>0</m:t>
                         </m:r>
@@ -19591,7 +19543,7 @@
                             <a:solidFill>
                               <a:schemeClr val="tx1"/>
                             </a:solidFill>
-                            <a:latin typeface="+mj-lt"/>
+                            <a:latin typeface="Cambria Math" panose="02040503050406030204" pitchFamily="18" charset="0"/>
                           </a:rPr>
                         </m:ctrlPr>
                       </m:sSubPr>
@@ -19604,7 +19556,7 @@
                                 <a:solidFill>
                                   <a:schemeClr val="tx1"/>
                                 </a:solidFill>
-                                <a:latin typeface="+mj-lt"/>
+                                <a:latin typeface="Cambria Math" panose="02040503050406030204" pitchFamily="18" charset="0"/>
                               </a:rPr>
                             </m:ctrlPr>
                           </m:accPr>
@@ -19614,7 +19566,7 @@
                                 <a:solidFill>
                                   <a:schemeClr val="tx1"/>
                                 </a:solidFill>
-                                <a:latin typeface="+mj-lt"/>
+                                <a:latin typeface="Cambria Math" panose="02040503050406030204" pitchFamily="18" charset="0"/>
                               </a:rPr>
                               <m:t>𝑔</m:t>
                             </m:r>
@@ -19627,7 +19579,7 @@
                             <a:solidFill>
                               <a:schemeClr val="tx1"/>
                             </a:solidFill>
-                            <a:latin typeface="+mj-lt"/>
+                            <a:latin typeface="Cambria Math" panose="02040503050406030204" pitchFamily="18" charset="0"/>
                           </a:rPr>
                           <m:t>0</m:t>
                         </m:r>
@@ -19640,7 +19592,7 @@
                             <a:solidFill>
                               <a:schemeClr val="tx1"/>
                             </a:solidFill>
-                            <a:latin typeface="+mj-lt"/>
+                            <a:latin typeface="Cambria Math" panose="02040503050406030204" pitchFamily="18" charset="0"/>
                           </a:rPr>
                         </m:ctrlPr>
                       </m:dPr>
@@ -19650,7 +19602,7 @@
                             <a:solidFill>
                               <a:schemeClr val="tx1"/>
                             </a:solidFill>
-                            <a:latin typeface="+mj-lt"/>
+                            <a:latin typeface="Cambria Math" panose="02040503050406030204" pitchFamily="18" charset="0"/>
                           </a:rPr>
                           <m:t>𝑍</m:t>
                         </m:r>
@@ -19661,7 +19613,7 @@
                         <a:solidFill>
                           <a:schemeClr val="tx1"/>
                         </a:solidFill>
-                        <a:latin typeface="+mj-lt"/>
+                        <a:latin typeface="Cambria Math" panose="02040503050406030204" pitchFamily="18" charset="0"/>
                       </a:rPr>
                       <m:t>≈</m:t>
                     </m:r>
@@ -19670,7 +19622,7 @@
                         <a:solidFill>
                           <a:schemeClr val="tx1"/>
                         </a:solidFill>
-                        <a:latin typeface="+mj-lt"/>
+                        <a:latin typeface="Cambria Math" panose="02040503050406030204" pitchFamily="18" charset="0"/>
                       </a:rPr>
                       <m:t>𝐸</m:t>
                     </m:r>
@@ -19683,7 +19635,7 @@
                             <a:solidFill>
                               <a:schemeClr val="tx1"/>
                             </a:solidFill>
-                            <a:latin typeface="+mj-lt"/>
+                            <a:latin typeface="Cambria Math" panose="02040503050406030204" pitchFamily="18" charset="0"/>
                           </a:rPr>
                         </m:ctrlPr>
                       </m:dPr>
@@ -19693,7 +19645,7 @@
                             <a:solidFill>
                               <a:schemeClr val="tx1"/>
                             </a:solidFill>
-                            <a:latin typeface="+mj-lt"/>
+                            <a:latin typeface="Cambria Math" panose="02040503050406030204" pitchFamily="18" charset="0"/>
                           </a:rPr>
                           <m:t>𝑌</m:t>
                         </m:r>
@@ -19704,7 +19656,7 @@
                             <a:solidFill>
                               <a:schemeClr val="tx1"/>
                             </a:solidFill>
-                            <a:latin typeface="+mj-lt"/>
+                            <a:latin typeface="Cambria Math" panose="02040503050406030204" pitchFamily="18" charset="0"/>
                           </a:rPr>
                           <m:t>𝐷</m:t>
                         </m:r>
@@ -19713,34 +19665,16 @@
                             <a:solidFill>
                               <a:schemeClr val="tx1"/>
                             </a:solidFill>
-                            <a:latin typeface="+mj-lt"/>
+                            <a:latin typeface="Cambria Math" panose="02040503050406030204" pitchFamily="18" charset="0"/>
                           </a:rPr>
-                          <m:t>=</m:t>
+                          <m:t>=0,</m:t>
                         </m:r>
                         <m:r>
                           <a:rPr lang="en-US" b="0" i="1">
                             <a:solidFill>
                               <a:schemeClr val="tx1"/>
                             </a:solidFill>
-                            <a:latin typeface="+mj-lt"/>
-                          </a:rPr>
-                          <m:t>0</m:t>
-                        </m:r>
-                        <m:r>
-                          <a:rPr lang="en-US" b="0" i="1">
-                            <a:solidFill>
-                              <a:schemeClr val="tx1"/>
-                            </a:solidFill>
-                            <a:latin typeface="+mj-lt"/>
-                          </a:rPr>
-                          <m:t>,</m:t>
-                        </m:r>
-                        <m:r>
-                          <a:rPr lang="en-US" b="0" i="1">
-                            <a:solidFill>
-                              <a:schemeClr val="tx1"/>
-                            </a:solidFill>
-                            <a:latin typeface="+mj-lt"/>
+                            <a:latin typeface="Cambria Math" panose="02040503050406030204" pitchFamily="18" charset="0"/>
                           </a:rPr>
                           <m:t>𝑍</m:t>
                         </m:r>
@@ -19767,7 +19701,7 @@
                             <a:solidFill>
                               <a:schemeClr val="tx1"/>
                             </a:solidFill>
-                            <a:latin typeface="+mj-lt"/>
+                            <a:latin typeface="Cambria Math" panose="02040503050406030204" pitchFamily="18" charset="0"/>
                           </a:rPr>
                         </m:ctrlPr>
                       </m:accPr>
@@ -19777,7 +19711,7 @@
                             <a:solidFill>
                               <a:schemeClr val="tx1"/>
                             </a:solidFill>
-                            <a:latin typeface="+mj-lt"/>
+                            <a:latin typeface="Cambria Math" panose="02040503050406030204" pitchFamily="18" charset="0"/>
                           </a:rPr>
                           <m:t>𝑌</m:t>
                         </m:r>
@@ -19790,7 +19724,7 @@
                             <a:solidFill>
                               <a:schemeClr val="tx1"/>
                             </a:solidFill>
-                            <a:latin typeface="+mj-lt"/>
+                            <a:latin typeface="Cambria Math" panose="02040503050406030204" pitchFamily="18" charset="0"/>
                           </a:rPr>
                         </m:ctrlPr>
                       </m:dPr>
@@ -19800,7 +19734,7 @@
                             <a:solidFill>
                               <a:schemeClr val="tx1"/>
                             </a:solidFill>
-                            <a:latin typeface="+mj-lt"/>
+                            <a:latin typeface="Cambria Math" panose="02040503050406030204" pitchFamily="18" charset="0"/>
                           </a:rPr>
                           <m:t>0</m:t>
                         </m:r>
@@ -19811,7 +19745,7 @@
                         <a:solidFill>
                           <a:schemeClr val="tx1"/>
                         </a:solidFill>
-                        <a:latin typeface="+mj-lt"/>
+                        <a:latin typeface="Cambria Math" panose="02040503050406030204" pitchFamily="18" charset="0"/>
                       </a:rPr>
                       <m:t>=</m:t>
                     </m:r>
@@ -19822,7 +19756,7 @@
                             <a:solidFill>
                               <a:schemeClr val="tx1"/>
                             </a:solidFill>
-                            <a:latin typeface="+mj-lt"/>
+                            <a:latin typeface="Cambria Math" panose="02040503050406030204" pitchFamily="18" charset="0"/>
                           </a:rPr>
                         </m:ctrlPr>
                       </m:sSubPr>
@@ -19835,7 +19769,7 @@
                                 <a:solidFill>
                                   <a:schemeClr val="tx1"/>
                                 </a:solidFill>
-                                <a:latin typeface="+mj-lt"/>
+                                <a:latin typeface="Cambria Math" panose="02040503050406030204" pitchFamily="18" charset="0"/>
                               </a:rPr>
                             </m:ctrlPr>
                           </m:accPr>
@@ -19845,7 +19779,7 @@
                                 <a:solidFill>
                                   <a:schemeClr val="tx1"/>
                                 </a:solidFill>
-                                <a:latin typeface="+mj-lt"/>
+                                <a:latin typeface="Cambria Math" panose="02040503050406030204" pitchFamily="18" charset="0"/>
                               </a:rPr>
                               <m:t>𝑔</m:t>
                             </m:r>
@@ -19858,7 +19792,7 @@
                             <a:solidFill>
                               <a:schemeClr val="tx1"/>
                             </a:solidFill>
-                            <a:latin typeface="+mj-lt"/>
+                            <a:latin typeface="Cambria Math" panose="02040503050406030204" pitchFamily="18" charset="0"/>
                           </a:rPr>
                           <m:t>0</m:t>
                         </m:r>
@@ -19871,7 +19805,7 @@
                             <a:solidFill>
                               <a:schemeClr val="tx1"/>
                             </a:solidFill>
-                            <a:latin typeface="+mj-lt"/>
+                            <a:latin typeface="Cambria Math" panose="02040503050406030204" pitchFamily="18" charset="0"/>
                           </a:rPr>
                         </m:ctrlPr>
                       </m:dPr>
@@ -19881,7 +19815,7 @@
                             <a:solidFill>
                               <a:schemeClr val="tx1"/>
                             </a:solidFill>
-                            <a:latin typeface="+mj-lt"/>
+                            <a:latin typeface="Cambria Math" panose="02040503050406030204" pitchFamily="18" charset="0"/>
                           </a:rPr>
                           <m:t>𝑍</m:t>
                         </m:r>
@@ -19909,7 +19843,7 @@
                           <a:solidFill>
                             <a:schemeClr val="tx1"/>
                           </a:solidFill>
-                          <a:latin typeface="+mj-lt"/>
+                          <a:latin typeface="Cambria Math" panose="02040503050406030204" pitchFamily="18" charset="0"/>
                         </a:rPr>
                         <m:t>𝑌</m:t>
                       </m:r>
@@ -19920,7 +19854,7 @@
                               <a:solidFill>
                                 <a:schemeClr val="tx1"/>
                               </a:solidFill>
-                              <a:latin typeface="+mj-lt"/>
+                              <a:latin typeface="Cambria Math" panose="02040503050406030204" pitchFamily="18" charset="0"/>
                             </a:rPr>
                           </m:ctrlPr>
                         </m:dPr>
@@ -19930,7 +19864,7 @@
                               <a:solidFill>
                                 <a:schemeClr val="tx1"/>
                               </a:solidFill>
-                              <a:latin typeface="+mj-lt"/>
+                              <a:latin typeface="Cambria Math" panose="02040503050406030204" pitchFamily="18" charset="0"/>
                             </a:rPr>
                             <m:t>1</m:t>
                           </m:r>
@@ -19941,7 +19875,7 @@
                           <a:solidFill>
                             <a:schemeClr val="tx1"/>
                           </a:solidFill>
-                          <a:latin typeface="+mj-lt"/>
+                          <a:latin typeface="Cambria Math" panose="02040503050406030204" pitchFamily="18" charset="0"/>
                         </a:rPr>
                         <m:t>−</m:t>
                       </m:r>
@@ -19950,7 +19884,7 @@
                           <a:solidFill>
                             <a:schemeClr val="tx1"/>
                           </a:solidFill>
-                          <a:latin typeface="+mj-lt"/>
+                          <a:latin typeface="Cambria Math" panose="02040503050406030204" pitchFamily="18" charset="0"/>
                         </a:rPr>
                         <m:t>𝑌</m:t>
                       </m:r>
@@ -19961,7 +19895,7 @@
                               <a:solidFill>
                                 <a:schemeClr val="tx1"/>
                               </a:solidFill>
-                              <a:latin typeface="+mj-lt"/>
+                              <a:latin typeface="Cambria Math" panose="02040503050406030204" pitchFamily="18" charset="0"/>
                             </a:rPr>
                           </m:ctrlPr>
                         </m:dPr>
@@ -19971,7 +19905,7 @@
                               <a:solidFill>
                                 <a:schemeClr val="tx1"/>
                               </a:solidFill>
-                              <a:latin typeface="+mj-lt"/>
+                              <a:latin typeface="Cambria Math" panose="02040503050406030204" pitchFamily="18" charset="0"/>
                             </a:rPr>
                             <m:t>0</m:t>
                           </m:r>
@@ -19982,7 +19916,7 @@
                           <a:solidFill>
                             <a:schemeClr val="tx1"/>
                           </a:solidFill>
-                          <a:latin typeface="+mj-lt"/>
+                          <a:latin typeface="Cambria Math" panose="02040503050406030204" pitchFamily="18" charset="0"/>
                         </a:rPr>
                         <m:t> </m:t>
                       </m:r>
@@ -19995,7 +19929,7 @@
                               <a:solidFill>
                                 <a:schemeClr val="tx1"/>
                               </a:solidFill>
-                              <a:latin typeface="+mj-lt"/>
+                              <a:latin typeface="Cambria Math" panose="02040503050406030204" pitchFamily="18" charset="0"/>
                             </a:rPr>
                           </m:ctrlPr>
                         </m:dPr>
@@ -20005,7 +19939,7 @@
                               <a:solidFill>
                                 <a:schemeClr val="tx1"/>
                               </a:solidFill>
-                              <a:latin typeface="+mj-lt"/>
+                              <a:latin typeface="Cambria Math" panose="02040503050406030204" pitchFamily="18" charset="0"/>
                             </a:rPr>
                             <m:t> </m:t>
                           </m:r>
@@ -20014,7 +19948,7 @@
                               <a:solidFill>
                                 <a:schemeClr val="tx1"/>
                               </a:solidFill>
-                              <a:latin typeface="+mj-lt"/>
+                              <a:latin typeface="Cambria Math" panose="02040503050406030204" pitchFamily="18" charset="0"/>
                             </a:rPr>
                             <m:t>𝑍</m:t>
                           </m:r>
@@ -20023,7 +19957,7 @@
                               <a:solidFill>
                                 <a:schemeClr val="tx1"/>
                               </a:solidFill>
-                              <a:latin typeface="+mj-lt"/>
+                              <a:latin typeface="Cambria Math" panose="02040503050406030204" pitchFamily="18" charset="0"/>
                             </a:rPr>
                             <m:t>       ∼        </m:t>
                           </m:r>
@@ -20032,7 +19966,7 @@
                               <a:solidFill>
                                 <a:schemeClr val="tx1"/>
                               </a:solidFill>
-                              <a:latin typeface="+mj-lt"/>
+                              <a:latin typeface="Cambria Math" panose="02040503050406030204" pitchFamily="18" charset="0"/>
                             </a:rPr>
                             <m:t>𝑌</m:t>
                           </m:r>
@@ -20041,7 +19975,7 @@
                               <a:solidFill>
                                 <a:schemeClr val="tx1"/>
                               </a:solidFill>
-                              <a:latin typeface="+mj-lt"/>
+                              <a:latin typeface="Cambria Math" panose="02040503050406030204" pitchFamily="18" charset="0"/>
                             </a:rPr>
                             <m:t> −</m:t>
                           </m:r>
@@ -20052,7 +19986,7 @@
                                   <a:solidFill>
                                     <a:schemeClr val="tx1"/>
                                   </a:solidFill>
-                                  <a:latin typeface="+mj-lt"/>
+                                  <a:latin typeface="Cambria Math" panose="02040503050406030204" pitchFamily="18" charset="0"/>
                                 </a:rPr>
                               </m:ctrlPr>
                             </m:sSubPr>
@@ -20065,7 +19999,7 @@
                                       <a:solidFill>
                                         <a:schemeClr val="tx1"/>
                                       </a:solidFill>
-                                      <a:latin typeface="+mj-lt"/>
+                                      <a:latin typeface="Cambria Math" panose="02040503050406030204" pitchFamily="18" charset="0"/>
                                     </a:rPr>
                                   </m:ctrlPr>
                                 </m:accPr>
@@ -20075,7 +20009,7 @@
                                       <a:solidFill>
                                         <a:schemeClr val="tx1"/>
                                       </a:solidFill>
-                                      <a:latin typeface="+mj-lt"/>
+                                      <a:latin typeface="Cambria Math" panose="02040503050406030204" pitchFamily="18" charset="0"/>
                                     </a:rPr>
                                     <m:t>𝑔</m:t>
                                   </m:r>
@@ -20088,7 +20022,7 @@
                                   <a:solidFill>
                                     <a:schemeClr val="tx1"/>
                                   </a:solidFill>
-                                  <a:latin typeface="+mj-lt"/>
+                                  <a:latin typeface="Cambria Math" panose="02040503050406030204" pitchFamily="18" charset="0"/>
                                 </a:rPr>
                                 <m:t>0</m:t>
                               </m:r>
@@ -20101,7 +20035,7 @@
                                   <a:solidFill>
                                     <a:schemeClr val="tx1"/>
                                   </a:solidFill>
-                                  <a:latin typeface="+mj-lt"/>
+                                  <a:latin typeface="Cambria Math" panose="02040503050406030204" pitchFamily="18" charset="0"/>
                                 </a:rPr>
                               </m:ctrlPr>
                             </m:dPr>
@@ -20111,7 +20045,7 @@
                                   <a:solidFill>
                                     <a:schemeClr val="tx1"/>
                                   </a:solidFill>
-                                  <a:latin typeface="+mj-lt"/>
+                                  <a:latin typeface="Cambria Math" panose="02040503050406030204" pitchFamily="18" charset="0"/>
                                 </a:rPr>
                                 <m:t>𝑍</m:t>
                               </m:r>
@@ -20122,7 +20056,7 @@
                               <a:solidFill>
                                 <a:schemeClr val="tx1"/>
                               </a:solidFill>
-                              <a:latin typeface="+mj-lt"/>
+                              <a:latin typeface="Cambria Math" panose="02040503050406030204" pitchFamily="18" charset="0"/>
                             </a:rPr>
                             <m:t> </m:t>
                           </m:r>
@@ -20133,7 +20067,7 @@
                           <a:solidFill>
                             <a:schemeClr val="tx1"/>
                           </a:solidFill>
-                          <a:latin typeface="+mj-lt"/>
+                          <a:latin typeface="Cambria Math" panose="02040503050406030204" pitchFamily="18" charset="0"/>
                         </a:rPr>
                         <m:t> </m:t>
                       </m:r>
@@ -20142,7 +20076,7 @@
                           <a:solidFill>
                             <a:schemeClr val="tx1"/>
                           </a:solidFill>
-                          <a:latin typeface="+mj-lt"/>
+                          <a:latin typeface="Cambria Math" panose="02040503050406030204" pitchFamily="18" charset="0"/>
                         </a:rPr>
                         <m:t>𝐷</m:t>
                       </m:r>
@@ -20151,34 +20085,16 @@
                           <a:solidFill>
                             <a:schemeClr val="tx1"/>
                           </a:solidFill>
-                          <a:latin typeface="+mj-lt"/>
+                          <a:latin typeface="Cambria Math" panose="02040503050406030204" pitchFamily="18" charset="0"/>
                         </a:rPr>
-                        <m:t>=</m:t>
+                        <m:t>=1, </m:t>
                       </m:r>
                       <m:r>
                         <a:rPr lang="en-US" b="0" i="1">
                           <a:solidFill>
                             <a:schemeClr val="tx1"/>
                           </a:solidFill>
-                          <a:latin typeface="+mj-lt"/>
-                        </a:rPr>
-                        <m:t>1</m:t>
-                      </m:r>
-                      <m:r>
-                        <a:rPr lang="en-US" b="0" i="1">
-                          <a:solidFill>
-                            <a:schemeClr val="tx1"/>
-                          </a:solidFill>
-                          <a:latin typeface="+mj-lt"/>
-                        </a:rPr>
-                        <m:t>, </m:t>
-                      </m:r>
-                      <m:r>
-                        <a:rPr lang="en-US" b="0" i="1">
-                          <a:solidFill>
-                            <a:schemeClr val="tx1"/>
-                          </a:solidFill>
-                          <a:latin typeface="+mj-lt"/>
+                          <a:latin typeface="Cambria Math" panose="02040503050406030204" pitchFamily="18" charset="0"/>
                         </a:rPr>
                         <m:t>𝑍</m:t>
                       </m:r>
@@ -20195,7 +20111,7 @@
             </p:txBody>
           </p:sp>
         </mc:Choice>
-        <mc:Fallback>
+        <mc:Fallback xmlns="">
           <p:sp>
             <p:nvSpPr>
               <p:cNvPr id="4" name="Speech Bubble: Rectangle with Corners Rounded 3">
@@ -20249,8 +20165,8 @@
           </p:sp>
         </mc:Fallback>
       </mc:AlternateContent>
-      <mc:AlternateContent xmlns:mc="http://schemas.openxmlformats.org/markup-compatibility/2006">
-        <mc:Choice xmlns:a14="http://schemas.microsoft.com/office/drawing/2010/main" Requires="a14">
+      <mc:AlternateContent xmlns:mc="http://schemas.openxmlformats.org/markup-compatibility/2006" xmlns:a14="http://schemas.microsoft.com/office/drawing/2010/main">
+        <mc:Choice Requires="a14">
           <p:sp>
             <p:nvSpPr>
               <p:cNvPr id="5" name="Speech Bubble: Rectangle with Corners Rounded 4">
@@ -20640,25 +20556,7 @@
                             </a:solidFill>
                             <a:latin typeface="Cambria Math" panose="02040503050406030204" pitchFamily="18" charset="0"/>
                           </a:rPr>
-                          <m:t>=</m:t>
-                        </m:r>
-                        <m:r>
-                          <a:rPr lang="en-US" b="0" i="1" smtClean="0">
-                            <a:solidFill>
-                              <a:schemeClr val="tx1"/>
-                            </a:solidFill>
-                            <a:latin typeface="Cambria Math" panose="02040503050406030204" pitchFamily="18" charset="0"/>
-                          </a:rPr>
-                          <m:t>1</m:t>
-                        </m:r>
-                        <m:r>
-                          <a:rPr lang="en-US" b="0" i="1" smtClean="0">
-                            <a:solidFill>
-                              <a:schemeClr val="tx1"/>
-                            </a:solidFill>
-                            <a:latin typeface="Cambria Math" panose="02040503050406030204" pitchFamily="18" charset="0"/>
-                          </a:rPr>
-                          <m:t>,</m:t>
+                          <m:t>=1,</m:t>
                         </m:r>
                         <m:r>
                           <a:rPr lang="en-US" b="0" i="1" smtClean="0">
@@ -20680,7 +20578,7 @@
                     </a:solidFill>
                     <a:latin typeface="+mj-lt"/>
                   </a:rPr>
-                  <a:t> from the control group and predict on the treated </a:t>
+                  <a:t> from the treatment group and predict on the control </a:t>
                 </a:r>
                 <a14:m>
                   <m:oMath xmlns:m="http://schemas.openxmlformats.org/officeDocument/2006/math">
@@ -21073,25 +20971,7 @@
                           </a:solidFill>
                           <a:latin typeface="Cambria Math" panose="02040503050406030204" pitchFamily="18" charset="0"/>
                         </a:rPr>
-                        <m:t>=</m:t>
-                      </m:r>
-                      <m:r>
-                        <a:rPr lang="en-US" b="0" i="1" smtClean="0">
-                          <a:solidFill>
-                            <a:schemeClr val="tx1"/>
-                          </a:solidFill>
-                          <a:latin typeface="Cambria Math" panose="02040503050406030204" pitchFamily="18" charset="0"/>
-                        </a:rPr>
-                        <m:t>0</m:t>
-                      </m:r>
-                      <m:r>
-                        <a:rPr lang="en-US" b="0" i="1" smtClean="0">
-                          <a:solidFill>
-                            <a:schemeClr val="tx1"/>
-                          </a:solidFill>
-                          <a:latin typeface="Cambria Math" panose="02040503050406030204" pitchFamily="18" charset="0"/>
-                        </a:rPr>
-                        <m:t>, </m:t>
+                        <m:t>=0, </m:t>
                       </m:r>
                       <m:r>
                         <a:rPr lang="en-US" b="0" i="1" smtClean="0">
@@ -21115,7 +20995,7 @@
             </p:txBody>
           </p:sp>
         </mc:Choice>
-        <mc:Fallback>
+        <mc:Fallback xmlns="">
           <p:sp>
             <p:nvSpPr>
               <p:cNvPr id="5" name="Speech Bubble: Rectangle with Corners Rounded 4">
@@ -21227,8 +21107,8 @@
           </a:p>
         </p:txBody>
       </p:sp>
-      <mc:AlternateContent xmlns:mc="http://schemas.openxmlformats.org/markup-compatibility/2006">
-        <mc:Choice xmlns:a14="http://schemas.microsoft.com/office/drawing/2010/main" Requires="a14">
+      <mc:AlternateContent xmlns:mc="http://schemas.openxmlformats.org/markup-compatibility/2006" xmlns:a14="http://schemas.microsoft.com/office/drawing/2010/main">
+        <mc:Choice Requires="a14">
           <p:sp>
             <p:nvSpPr>
               <p:cNvPr id="3" name="Content Placeholder 2">
@@ -21417,19 +21297,7 @@
                             <a:rPr lang="en-US" b="0" i="1" smtClean="0">
                               <a:latin typeface="Cambria Math" panose="02040503050406030204" pitchFamily="18" charset="0"/>
                             </a:rPr>
-                            <m:t>=</m:t>
-                          </m:r>
-                          <m:r>
-                            <a:rPr lang="en-US" b="0" i="1" smtClean="0">
-                              <a:latin typeface="Cambria Math" panose="02040503050406030204" pitchFamily="18" charset="0"/>
-                            </a:rPr>
-                            <m:t>1</m:t>
-                          </m:r>
-                          <m:r>
-                            <a:rPr lang="en-US" b="0" i="1" smtClean="0">
-                              <a:latin typeface="Cambria Math" panose="02040503050406030204" pitchFamily="18" charset="0"/>
-                            </a:rPr>
-                            <m:t>, </m:t>
+                            <m:t>=1, </m:t>
                           </m:r>
                           <m:r>
                             <a:rPr lang="en-US" b="0" i="1" smtClean="0">
@@ -21616,19 +21484,7 @@
                             <a:rPr lang="en-US" i="1">
                               <a:latin typeface="Cambria Math" panose="02040503050406030204" pitchFamily="18" charset="0"/>
                             </a:rPr>
-                            <m:t>=</m:t>
-                          </m:r>
-                          <m:r>
-                            <a:rPr lang="en-US" i="1">
-                              <a:latin typeface="Cambria Math" panose="02040503050406030204" pitchFamily="18" charset="0"/>
-                            </a:rPr>
-                            <m:t>0</m:t>
-                          </m:r>
-                          <m:r>
-                            <a:rPr lang="en-US" i="1">
-                              <a:latin typeface="Cambria Math" panose="02040503050406030204" pitchFamily="18" charset="0"/>
-                            </a:rPr>
-                            <m:t>, </m:t>
+                            <m:t>=0, </m:t>
                           </m:r>
                           <m:r>
                             <a:rPr lang="en-US" b="0" i="1" smtClean="0">
@@ -21680,13 +21536,7 @@
                       <a:rPr lang="en-US" b="0" i="1" smtClean="0">
                         <a:latin typeface="Cambria Math" panose="02040503050406030204" pitchFamily="18" charset="0"/>
                       </a:rPr>
-                      <m:t>=</m:t>
-                    </m:r>
-                    <m:r>
-                      <a:rPr lang="en-US" b="0" i="1" smtClean="0">
-                        <a:latin typeface="Cambria Math" panose="02040503050406030204" pitchFamily="18" charset="0"/>
-                      </a:rPr>
-                      <m:t>1</m:t>
+                      <m:t>=1</m:t>
                     </m:r>
                   </m:oMath>
                 </a14:m>
@@ -21860,13 +21710,7 @@
                       <a:rPr lang="en-US" i="1">
                         <a:latin typeface="Cambria Math" panose="02040503050406030204" pitchFamily="18" charset="0"/>
                       </a:rPr>
-                      <m:t>=</m:t>
-                    </m:r>
-                    <m:r>
-                      <a:rPr lang="en-US" b="0" i="1" smtClean="0">
-                        <a:latin typeface="Cambria Math" panose="02040503050406030204" pitchFamily="18" charset="0"/>
-                      </a:rPr>
-                      <m:t>0</m:t>
+                      <m:t>=0</m:t>
                     </m:r>
                   </m:oMath>
                 </a14:m>
@@ -22107,13 +21951,7 @@
                                 <a:rPr lang="en-US" b="0" i="1" smtClean="0">
                                   <a:latin typeface="Cambria Math" panose="02040503050406030204" pitchFamily="18" charset="0"/>
                                 </a:rPr>
-                                <m:t>=</m:t>
-                              </m:r>
-                              <m:r>
-                                <a:rPr lang="en-US" b="0" i="1" smtClean="0">
-                                  <a:latin typeface="Cambria Math" panose="02040503050406030204" pitchFamily="18" charset="0"/>
-                                </a:rPr>
-                                <m:t>1</m:t>
+                                <m:t>=1</m:t>
                               </m:r>
                             </m:e>
                             <m:e>
@@ -22200,13 +22038,7 @@
                             <a:rPr lang="en-US" b="0" i="1" smtClean="0">
                               <a:latin typeface="Cambria Math" panose="02040503050406030204" pitchFamily="18" charset="0"/>
                             </a:rPr>
-                            <m:t>1</m:t>
-                          </m:r>
-                          <m:r>
-                            <a:rPr lang="en-US" b="0" i="1" smtClean="0">
-                              <a:latin typeface="Cambria Math" panose="02040503050406030204" pitchFamily="18" charset="0"/>
-                            </a:rPr>
-                            <m:t>−</m:t>
+                            <m:t>1−</m:t>
                           </m:r>
                           <m:func>
                             <m:funcPr>
@@ -22247,13 +22079,7 @@
                                     <a:rPr lang="en-US" b="0" i="1" smtClean="0">
                                       <a:latin typeface="Cambria Math" panose="02040503050406030204" pitchFamily="18" charset="0"/>
                                     </a:rPr>
-                                    <m:t>=</m:t>
-                                  </m:r>
-                                  <m:r>
-                                    <a:rPr lang="en-US" b="0" i="1" smtClean="0">
-                                      <a:latin typeface="Cambria Math" panose="02040503050406030204" pitchFamily="18" charset="0"/>
-                                    </a:rPr>
-                                    <m:t>1</m:t>
+                                    <m:t>=1</m:t>
                                   </m:r>
                                 </m:e>
                                 <m:e>
@@ -22340,7 +22166,7 @@
             </p:txBody>
           </p:sp>
         </mc:Choice>
-        <mc:Fallback>
+        <mc:Fallback xmlns="">
           <p:sp>
             <p:nvSpPr>
               <p:cNvPr id="3" name="Content Placeholder 2">
@@ -22361,7 +22187,7 @@
               <a:blipFill>
                 <a:blip r:embed="rId2"/>
                 <a:stretch>
-                  <a:fillRect l="-1043" t="-1821"/>
+                  <a:fillRect l="-1043" t="-1821" r="-1739"/>
                 </a:stretch>
               </a:blipFill>
             </p:spPr>
@@ -22644,8 +22470,8 @@
           </a:p>
         </p:txBody>
       </p:sp>
-      <mc:AlternateContent xmlns:mc="http://schemas.openxmlformats.org/markup-compatibility/2006">
-        <mc:Choice xmlns:a14="http://schemas.microsoft.com/office/drawing/2010/main" Requires="a14">
+      <mc:AlternateContent xmlns:mc="http://schemas.openxmlformats.org/markup-compatibility/2006" xmlns:a14="http://schemas.microsoft.com/office/drawing/2010/main">
+        <mc:Choice Requires="a14">
           <p:sp>
             <p:nvSpPr>
               <p:cNvPr id="3" name="Content Placeholder 2">
@@ -23336,13 +23162,7 @@
                       <a:rPr lang="en-US" b="0" i="1" smtClean="0">
                         <a:latin typeface="Cambria Math" panose="02040503050406030204" pitchFamily="18" charset="0"/>
                       </a:rPr>
-                      <m:t>=</m:t>
-                    </m:r>
-                    <m:r>
-                      <a:rPr lang="en-US" b="0" i="1" smtClean="0">
-                        <a:latin typeface="Cambria Math" panose="02040503050406030204" pitchFamily="18" charset="0"/>
-                      </a:rPr>
-                      <m:t>1</m:t>
+                      <m:t>=1</m:t>
                     </m:r>
                   </m:oMath>
                 </a14:m>
@@ -23552,13 +23372,7 @@
                             <a:rPr lang="en-US" b="0" i="1" smtClean="0">
                               <a:latin typeface="Cambria Math" panose="02040503050406030204" pitchFamily="18" charset="0"/>
                             </a:rPr>
-                            <m:t>1</m:t>
-                          </m:r>
-                          <m:r>
-                            <a:rPr lang="en-US" b="0" i="1" smtClean="0">
-                              <a:latin typeface="Cambria Math" panose="02040503050406030204" pitchFamily="18" charset="0"/>
-                            </a:rPr>
-                            <m:t>− </m:t>
+                            <m:t>1− </m:t>
                           </m:r>
                           <m:acc>
                             <m:accPr>
@@ -23665,7 +23479,7 @@
             </p:txBody>
           </p:sp>
         </mc:Choice>
-        <mc:Fallback>
+        <mc:Fallback xmlns="">
           <p:sp>
             <p:nvSpPr>
               <p:cNvPr id="3" name="Content Placeholder 2">
@@ -23763,8 +23577,8 @@
           </a:p>
         </p:txBody>
       </p:sp>
-      <mc:AlternateContent xmlns:mc="http://schemas.openxmlformats.org/markup-compatibility/2006">
-        <mc:Choice xmlns:a14="http://schemas.microsoft.com/office/drawing/2010/main" Requires="a14">
+      <mc:AlternateContent xmlns:mc="http://schemas.openxmlformats.org/markup-compatibility/2006" xmlns:a14="http://schemas.microsoft.com/office/drawing/2010/main">
+        <mc:Choice Requires="a14">
           <p:sp>
             <p:nvSpPr>
               <p:cNvPr id="3" name="Content Placeholder 2">
@@ -24599,7 +24413,7 @@
             </p:txBody>
           </p:sp>
         </mc:Choice>
-        <mc:Fallback>
+        <mc:Fallback xmlns="">
           <p:sp>
             <p:nvSpPr>
               <p:cNvPr id="3" name="Content Placeholder 2">
@@ -25121,8 +24935,8 @@
           </a:p>
         </p:txBody>
       </p:sp>
-      <mc:AlternateContent xmlns:mc="http://schemas.openxmlformats.org/markup-compatibility/2006">
-        <mc:Choice xmlns:a14="http://schemas.microsoft.com/office/drawing/2010/main" Requires="a14">
+      <mc:AlternateContent xmlns:mc="http://schemas.openxmlformats.org/markup-compatibility/2006" xmlns:a14="http://schemas.microsoft.com/office/drawing/2010/main">
+        <mc:Choice Requires="a14">
           <p:sp>
             <p:nvSpPr>
               <p:cNvPr id="3" name="Content Placeholder 2">
@@ -25967,7 +25781,7 @@
             </p:txBody>
           </p:sp>
         </mc:Choice>
-        <mc:Fallback>
+        <mc:Fallback xmlns="">
           <p:sp>
             <p:nvSpPr>
               <p:cNvPr id="3" name="Content Placeholder 2">
@@ -26065,8 +25879,8 @@
           </a:p>
         </p:txBody>
       </p:sp>
-      <mc:AlternateContent xmlns:mc="http://schemas.openxmlformats.org/markup-compatibility/2006">
-        <mc:Choice xmlns:a14="http://schemas.microsoft.com/office/drawing/2010/main" Requires="a14">
+      <mc:AlternateContent xmlns:mc="http://schemas.openxmlformats.org/markup-compatibility/2006" xmlns:a14="http://schemas.microsoft.com/office/drawing/2010/main">
+        <mc:Choice Requires="a14">
           <p:sp>
             <p:nvSpPr>
               <p:cNvPr id="3" name="Content Placeholder 2">
@@ -26432,7 +26246,7 @@
             </p:txBody>
           </p:sp>
         </mc:Choice>
-        <mc:Fallback>
+        <mc:Fallback xmlns="">
           <p:sp>
             <p:nvSpPr>
               <p:cNvPr id="3" name="Content Placeholder 2">
@@ -26530,8 +26344,8 @@
           </a:p>
         </p:txBody>
       </p:sp>
-      <mc:AlternateContent xmlns:mc="http://schemas.openxmlformats.org/markup-compatibility/2006">
-        <mc:Choice xmlns:a14="http://schemas.microsoft.com/office/drawing/2010/main" Requires="a14">
+      <mc:AlternateContent xmlns:mc="http://schemas.openxmlformats.org/markup-compatibility/2006" xmlns:a14="http://schemas.microsoft.com/office/drawing/2010/main">
+        <mc:Choice Requires="a14">
           <p:sp>
             <p:nvSpPr>
               <p:cNvPr id="3" name="Content Placeholder 2">
@@ -26909,7 +26723,7 @@
             </p:txBody>
           </p:sp>
         </mc:Choice>
-        <mc:Fallback>
+        <mc:Fallback xmlns="">
           <p:sp>
             <p:nvSpPr>
               <p:cNvPr id="3" name="Content Placeholder 2">
@@ -27007,8 +26821,8 @@
           </a:p>
         </p:txBody>
       </p:sp>
-      <mc:AlternateContent xmlns:mc="http://schemas.openxmlformats.org/markup-compatibility/2006">
-        <mc:Choice xmlns:a14="http://schemas.microsoft.com/office/drawing/2010/main" Requires="a14">
+      <mc:AlternateContent xmlns:mc="http://schemas.openxmlformats.org/markup-compatibility/2006" xmlns:a14="http://schemas.microsoft.com/office/drawing/2010/main">
+        <mc:Choice Requires="a14">
           <p:sp>
             <p:nvSpPr>
               <p:cNvPr id="3" name="Content Placeholder 2">
@@ -27745,7 +27559,7 @@
             </p:txBody>
           </p:sp>
         </mc:Choice>
-        <mc:Fallback>
+        <mc:Fallback xmlns="">
           <p:sp>
             <p:nvSpPr>
               <p:cNvPr id="3" name="Content Placeholder 2">
@@ -28487,8 +28301,8 @@
           </a:p>
         </p:txBody>
       </p:sp>
-      <mc:AlternateContent xmlns:mc="http://schemas.openxmlformats.org/markup-compatibility/2006">
-        <mc:Choice xmlns:a14="http://schemas.microsoft.com/office/drawing/2010/main" Requires="a14">
+      <mc:AlternateContent xmlns:mc="http://schemas.openxmlformats.org/markup-compatibility/2006" xmlns:a14="http://schemas.microsoft.com/office/drawing/2010/main">
+        <mc:Choice Requires="a14">
           <p:sp>
             <p:nvSpPr>
               <p:cNvPr id="3" name="Content Placeholder 2">
@@ -28992,7 +28806,7 @@
             </p:txBody>
           </p:sp>
         </mc:Choice>
-        <mc:Fallback>
+        <mc:Fallback xmlns="">
           <p:sp>
             <p:nvSpPr>
               <p:cNvPr id="3" name="Content Placeholder 2">
@@ -29090,8 +28904,8 @@
           </a:p>
         </p:txBody>
       </p:sp>
-      <mc:AlternateContent xmlns:mc="http://schemas.openxmlformats.org/markup-compatibility/2006">
-        <mc:Choice xmlns:a14="http://schemas.microsoft.com/office/drawing/2010/main" Requires="a14">
+      <mc:AlternateContent xmlns:mc="http://schemas.openxmlformats.org/markup-compatibility/2006" xmlns:a14="http://schemas.microsoft.com/office/drawing/2010/main">
+        <mc:Choice Requires="a14">
           <p:sp>
             <p:nvSpPr>
               <p:cNvPr id="3" name="Content Placeholder 2">
@@ -29136,7 +28950,7 @@
                     <m:d>
                       <m:dPr>
                         <m:ctrlPr>
-                          <a:rPr lang="en-US" b="0" i="0" smtClean="0">
+                          <a:rPr lang="en-US" b="0" i="1" smtClean="0">
                             <a:latin typeface="Cambria Math" panose="02040503050406030204" pitchFamily="18" charset="0"/>
                           </a:rPr>
                         </m:ctrlPr>
@@ -29146,13 +28960,7 @@
                           <a:rPr lang="en-US" b="0" i="0" smtClean="0">
                             <a:latin typeface="Cambria Math" panose="02040503050406030204" pitchFamily="18" charset="0"/>
                           </a:rPr>
-                          <m:t>1</m:t>
-                        </m:r>
-                        <m:r>
-                          <a:rPr lang="en-US" b="0" i="0" smtClean="0">
-                            <a:latin typeface="Cambria Math" panose="02040503050406030204" pitchFamily="18" charset="0"/>
-                          </a:rPr>
-                          <m:t>, </m:t>
+                          <m:t>1, </m:t>
                         </m:r>
                         <m:r>
                           <a:rPr lang="en-US" b="0" i="1" smtClean="0">
@@ -29305,13 +29113,7 @@
                           <a:rPr lang="en-US">
                             <a:latin typeface="Cambria Math" panose="02040503050406030204" pitchFamily="18" charset="0"/>
                           </a:rPr>
-                          <m:t>1</m:t>
-                        </m:r>
-                        <m:r>
-                          <a:rPr lang="en-US">
-                            <a:latin typeface="Cambria Math" panose="02040503050406030204" pitchFamily="18" charset="0"/>
-                          </a:rPr>
-                          <m:t>, </m:t>
+                          <m:t>1, </m:t>
                         </m:r>
                         <m:r>
                           <a:rPr lang="en-US" i="1">
@@ -29584,13 +29386,7 @@
                       <a:rPr lang="en-US" b="0" i="1" smtClean="0">
                         <a:latin typeface="Cambria Math" panose="02040503050406030204" pitchFamily="18" charset="0"/>
                       </a:rPr>
-                      <m:t>≠</m:t>
-                    </m:r>
-                    <m:r>
-                      <a:rPr lang="en-US" b="0" i="1" smtClean="0">
-                        <a:latin typeface="Cambria Math" panose="02040503050406030204" pitchFamily="18" charset="0"/>
-                      </a:rPr>
-                      <m:t>0</m:t>
+                      <m:t>≠0</m:t>
                     </m:r>
                   </m:oMath>
                 </a14:m>
@@ -29669,19 +29465,7 @@
                           <a:rPr lang="en-US" b="0" i="1" smtClean="0">
                             <a:latin typeface="Cambria Math" panose="02040503050406030204" pitchFamily="18" charset="0"/>
                           </a:rPr>
-                          <m:t>=</m:t>
-                        </m:r>
-                        <m:r>
-                          <a:rPr lang="en-US" b="0" i="1" smtClean="0">
-                            <a:latin typeface="Cambria Math" panose="02040503050406030204" pitchFamily="18" charset="0"/>
-                          </a:rPr>
-                          <m:t>0</m:t>
-                        </m:r>
-                        <m:r>
-                          <a:rPr lang="en-US" b="0" i="1" smtClean="0">
-                            <a:latin typeface="Cambria Math" panose="02040503050406030204" pitchFamily="18" charset="0"/>
-                          </a:rPr>
-                          <m:t>,</m:t>
+                          <m:t>=0,</m:t>
                         </m:r>
                         <m:sSub>
                           <m:sSubPr>
@@ -29712,13 +29496,7 @@
                           <a:rPr lang="en-US" b="0" i="1" smtClean="0">
                             <a:latin typeface="Cambria Math" panose="02040503050406030204" pitchFamily="18" charset="0"/>
                           </a:rPr>
-                          <m:t>=</m:t>
-                        </m:r>
-                        <m:r>
-                          <a:rPr lang="en-US" b="0" i="1" smtClean="0">
-                            <a:latin typeface="Cambria Math" panose="02040503050406030204" pitchFamily="18" charset="0"/>
-                          </a:rPr>
-                          <m:t>1</m:t>
+                          <m:t>=1</m:t>
                         </m:r>
                       </m:e>
                     </m:d>
@@ -29732,7 +29510,7 @@
             </p:txBody>
           </p:sp>
         </mc:Choice>
-        <mc:Fallback>
+        <mc:Fallback xmlns="">
           <p:sp>
             <p:nvSpPr>
               <p:cNvPr id="3" name="Content Placeholder 2">
@@ -29753,7 +29531,7 @@
               <a:blipFill>
                 <a:blip r:embed="rId2"/>
                 <a:stretch>
-                  <a:fillRect l="-1043" t="-1541" r="-986"/>
+                  <a:fillRect l="-1043" t="-1541" r="-406"/>
                 </a:stretch>
               </a:blipFill>
             </p:spPr>
@@ -29830,8 +29608,8 @@
           </a:p>
         </p:txBody>
       </p:sp>
-      <mc:AlternateContent xmlns:mc="http://schemas.openxmlformats.org/markup-compatibility/2006">
-        <mc:Choice xmlns:a14="http://schemas.microsoft.com/office/drawing/2010/main" Requires="a14">
+      <mc:AlternateContent xmlns:mc="http://schemas.openxmlformats.org/markup-compatibility/2006" xmlns:a14="http://schemas.microsoft.com/office/drawing/2010/main">
+        <mc:Choice Requires="a14">
           <p:sp>
             <p:nvSpPr>
               <p:cNvPr id="3" name="Content Placeholder 2">
@@ -30336,7 +30114,7 @@
             </p:txBody>
           </p:sp>
         </mc:Choice>
-        <mc:Fallback>
+        <mc:Fallback xmlns="">
           <p:sp>
             <p:nvSpPr>
               <p:cNvPr id="3" name="Content Placeholder 2">
@@ -30357,7 +30135,7 @@
               <a:blipFill>
                 <a:blip r:embed="rId2"/>
                 <a:stretch>
-                  <a:fillRect l="-1043" t="-3081"/>
+                  <a:fillRect l="-1043" t="-3081" r="-1681"/>
                 </a:stretch>
               </a:blipFill>
             </p:spPr>
@@ -30858,8 +30636,8 @@
           </a:p>
         </p:txBody>
       </p:sp>
-      <mc:AlternateContent xmlns:mc="http://schemas.openxmlformats.org/markup-compatibility/2006">
-        <mc:Choice xmlns:a14="http://schemas.microsoft.com/office/drawing/2010/main" Requires="a14">
+      <mc:AlternateContent xmlns:mc="http://schemas.openxmlformats.org/markup-compatibility/2006" xmlns:a14="http://schemas.microsoft.com/office/drawing/2010/main">
+        <mc:Choice Requires="a14">
           <p:sp>
             <p:nvSpPr>
               <p:cNvPr id="3" name="Content Placeholder 2">
@@ -31086,7 +30864,7 @@
                         <m:begChr m:val="{"/>
                         <m:endChr m:val="}"/>
                         <m:ctrlPr>
-                          <a:rPr lang="en-US" b="0" i="0" smtClean="0">
+                          <a:rPr lang="en-US" b="0" i="1" smtClean="0">
                             <a:latin typeface="Cambria Math" panose="02040503050406030204" pitchFamily="18" charset="0"/>
                           </a:rPr>
                         </m:ctrlPr>
@@ -31938,7 +31716,7 @@
             </p:txBody>
           </p:sp>
         </mc:Choice>
-        <mc:Fallback>
+        <mc:Fallback xmlns="">
           <p:sp>
             <p:nvSpPr>
               <p:cNvPr id="3" name="Content Placeholder 2">
@@ -31959,7 +31737,7 @@
               <a:blipFill>
                 <a:blip r:embed="rId2"/>
                 <a:stretch>
-                  <a:fillRect l="-812" t="-3221" r="-348"/>
+                  <a:fillRect l="-812" t="-3221" r="-1449"/>
                 </a:stretch>
               </a:blipFill>
             </p:spPr>
@@ -32509,8 +32287,8 @@
           </a:custGeom>
         </p:spPr>
       </p:pic>
-      <mc:AlternateContent xmlns:mc="http://schemas.openxmlformats.org/markup-compatibility/2006">
-        <mc:Choice xmlns:a14="http://schemas.microsoft.com/office/drawing/2010/main" Requires="a14">
+      <mc:AlternateContent xmlns:mc="http://schemas.openxmlformats.org/markup-compatibility/2006" xmlns:a14="http://schemas.microsoft.com/office/drawing/2010/main">
+        <mc:Choice Requires="a14">
           <p:sp>
             <p:nvSpPr>
               <p:cNvPr id="3" name="Content Placeholder 2">
@@ -32846,7 +32624,7 @@
             </p:txBody>
           </p:sp>
         </mc:Choice>
-        <mc:Fallback>
+        <mc:Fallback xmlns="">
           <p:sp>
             <p:nvSpPr>
               <p:cNvPr id="3" name="Content Placeholder 2">
@@ -32977,8 +32755,8 @@
           </a:p>
         </p:txBody>
       </p:sp>
-      <mc:AlternateContent xmlns:mc="http://schemas.openxmlformats.org/markup-compatibility/2006">
-        <mc:Choice xmlns:a14="http://schemas.microsoft.com/office/drawing/2010/main" Requires="a14">
+      <mc:AlternateContent xmlns:mc="http://schemas.openxmlformats.org/markup-compatibility/2006" xmlns:a14="http://schemas.microsoft.com/office/drawing/2010/main">
+        <mc:Choice Requires="a14">
           <p:sp>
             <p:nvSpPr>
               <p:cNvPr id="3" name="Content Placeholder 2">
@@ -33590,7 +33368,7 @@
             </p:txBody>
           </p:sp>
         </mc:Choice>
-        <mc:Fallback>
+        <mc:Fallback xmlns="">
           <p:sp>
             <p:nvSpPr>
               <p:cNvPr id="3" name="Content Placeholder 2">
@@ -33693,8 +33471,8 @@
           </a:p>
         </p:txBody>
       </p:sp>
-      <mc:AlternateContent xmlns:mc="http://schemas.openxmlformats.org/markup-compatibility/2006">
-        <mc:Choice xmlns:a14="http://schemas.microsoft.com/office/drawing/2010/main" Requires="a14">
+      <mc:AlternateContent xmlns:mc="http://schemas.openxmlformats.org/markup-compatibility/2006" xmlns:a14="http://schemas.microsoft.com/office/drawing/2010/main">
+        <mc:Choice Requires="a14">
           <p:sp>
             <p:nvSpPr>
               <p:cNvPr id="3" name="Content Placeholder 2">
@@ -34329,7 +34107,7 @@
             </p:txBody>
           </p:sp>
         </mc:Choice>
-        <mc:Fallback>
+        <mc:Fallback xmlns="">
           <p:sp>
             <p:nvSpPr>
               <p:cNvPr id="3" name="Content Placeholder 2">
@@ -34544,8 +34322,8 @@
           </a:p>
         </p:txBody>
       </p:sp>
-      <mc:AlternateContent xmlns:mc="http://schemas.openxmlformats.org/markup-compatibility/2006">
-        <mc:Choice xmlns:a14="http://schemas.microsoft.com/office/drawing/2010/main" Requires="a14">
+      <mc:AlternateContent xmlns:mc="http://schemas.openxmlformats.org/markup-compatibility/2006" xmlns:a14="http://schemas.microsoft.com/office/drawing/2010/main">
+        <mc:Choice Requires="a14">
           <p:sp>
             <p:nvSpPr>
               <p:cNvPr id="3" name="Content Placeholder 2">
@@ -34886,19 +34664,7 @@
                                     <a:rPr lang="en-US" b="0" i="1" smtClean="0">
                                       <a:latin typeface="Cambria Math" panose="02040503050406030204" pitchFamily="18" charset="0"/>
                                     </a:rPr>
-                                    <m:t>=</m:t>
-                                  </m:r>
-                                  <m:r>
-                                    <a:rPr lang="en-US" b="0" i="1" smtClean="0">
-                                      <a:latin typeface="Cambria Math" panose="02040503050406030204" pitchFamily="18" charset="0"/>
-                                    </a:rPr>
-                                    <m:t>1</m:t>
-                                  </m:r>
-                                  <m:r>
-                                    <a:rPr lang="en-US" b="0" i="1" smtClean="0">
-                                      <a:latin typeface="Cambria Math" panose="02040503050406030204" pitchFamily="18" charset="0"/>
-                                    </a:rPr>
-                                    <m:t>,</m:t>
+                                    <m:t>=1,</m:t>
                                   </m:r>
                                   <m:r>
                                     <a:rPr lang="en-US" b="0" i="1" smtClean="0">
@@ -34949,19 +34715,7 @@
                                     <a:rPr lang="en-US" b="0" i="1" smtClean="0">
                                       <a:latin typeface="Cambria Math" panose="02040503050406030204" pitchFamily="18" charset="0"/>
                                     </a:rPr>
-                                    <m:t>=</m:t>
-                                  </m:r>
-                                  <m:r>
-                                    <a:rPr lang="en-US" b="0" i="1" smtClean="0">
-                                      <a:latin typeface="Cambria Math" panose="02040503050406030204" pitchFamily="18" charset="0"/>
-                                    </a:rPr>
-                                    <m:t>0</m:t>
-                                  </m:r>
-                                  <m:r>
-                                    <a:rPr lang="en-US" b="0" i="1" smtClean="0">
-                                      <a:latin typeface="Cambria Math" panose="02040503050406030204" pitchFamily="18" charset="0"/>
-                                    </a:rPr>
-                                    <m:t>,</m:t>
+                                    <m:t>=0,</m:t>
                                   </m:r>
                                   <m:r>
                                     <a:rPr lang="en-US" b="0" i="1" smtClean="0">
@@ -35268,13 +35022,7 @@
                         <a:rPr lang="en-US" b="0" i="1" smtClean="0">
                           <a:latin typeface="Cambria Math" panose="02040503050406030204" pitchFamily="18" charset="0"/>
                         </a:rPr>
-                        <m:t>=</m:t>
-                      </m:r>
-                      <m:r>
-                        <a:rPr lang="en-US" b="0" i="1" smtClean="0">
-                          <a:latin typeface="Cambria Math" panose="02040503050406030204" pitchFamily="18" charset="0"/>
-                        </a:rPr>
-                        <m:t>0</m:t>
+                        <m:t>=0</m:t>
                       </m:r>
                     </m:oMath>
                   </m:oMathPara>
@@ -35290,7 +35038,7 @@
             </p:txBody>
           </p:sp>
         </mc:Choice>
-        <mc:Fallback>
+        <mc:Fallback xmlns="">
           <p:sp>
             <p:nvSpPr>
               <p:cNvPr id="3" name="Content Placeholder 2">
@@ -35388,8 +35136,8 @@
           </a:p>
         </p:txBody>
       </p:sp>
-      <mc:AlternateContent xmlns:mc="http://schemas.openxmlformats.org/markup-compatibility/2006">
-        <mc:Choice xmlns:a14="http://schemas.microsoft.com/office/drawing/2010/main" Requires="a14">
+      <mc:AlternateContent xmlns:mc="http://schemas.openxmlformats.org/markup-compatibility/2006" xmlns:a14="http://schemas.microsoft.com/office/drawing/2010/main">
+        <mc:Choice Requires="a14">
           <p:sp>
             <p:nvSpPr>
               <p:cNvPr id="3" name="Content Placeholder 2">
@@ -35910,7 +35658,7 @@
             </p:txBody>
           </p:sp>
         </mc:Choice>
-        <mc:Fallback>
+        <mc:Fallback xmlns="">
           <p:sp>
             <p:nvSpPr>
               <p:cNvPr id="3" name="Content Placeholder 2">
@@ -35931,7 +35679,7 @@
               <a:blipFill>
                 <a:blip r:embed="rId2"/>
                 <a:stretch>
-                  <a:fillRect l="-1043" t="-2241"/>
+                  <a:fillRect l="-1043" t="-2241" r="-1855"/>
                 </a:stretch>
               </a:blipFill>
             </p:spPr>
@@ -36091,8 +35839,8 @@
           </a:p>
         </p:txBody>
       </p:sp>
-      <mc:AlternateContent xmlns:mc="http://schemas.openxmlformats.org/markup-compatibility/2006">
-        <mc:Choice xmlns:a14="http://schemas.microsoft.com/office/drawing/2010/main" Requires="a14">
+      <mc:AlternateContent xmlns:mc="http://schemas.openxmlformats.org/markup-compatibility/2006" xmlns:a14="http://schemas.microsoft.com/office/drawing/2010/main">
+        <mc:Choice Requires="a14">
           <p:sp>
             <p:nvSpPr>
               <p:cNvPr id="3" name="Content Placeholder 2">
@@ -36410,13 +36158,7 @@
                         <a:rPr lang="en-US" b="0" i="1" smtClean="0">
                           <a:latin typeface="Cambria Math" panose="02040503050406030204" pitchFamily="18" charset="0"/>
                         </a:rPr>
-                        <m:t>=</m:t>
-                      </m:r>
-                      <m:r>
-                        <a:rPr lang="en-US" b="0" i="1" smtClean="0">
-                          <a:latin typeface="Cambria Math" panose="02040503050406030204" pitchFamily="18" charset="0"/>
-                        </a:rPr>
-                        <m:t>0</m:t>
+                        <m:t>=0</m:t>
                       </m:r>
                     </m:oMath>
                   </m:oMathPara>
@@ -36429,7 +36171,7 @@
             </p:txBody>
           </p:sp>
         </mc:Choice>
-        <mc:Fallback>
+        <mc:Fallback xmlns="">
           <p:sp>
             <p:nvSpPr>
               <p:cNvPr id="3" name="Content Placeholder 2">
@@ -36450,7 +36192,7 @@
               <a:blipFill>
                 <a:blip r:embed="rId2"/>
                 <a:stretch>
-                  <a:fillRect l="-928" t="-2101" r="-1217"/>
+                  <a:fillRect l="-928" t="-2101" r="-812"/>
                 </a:stretch>
               </a:blipFill>
             </p:spPr>
@@ -36527,8 +36269,8 @@
           </a:p>
         </p:txBody>
       </p:sp>
-      <mc:AlternateContent xmlns:mc="http://schemas.openxmlformats.org/markup-compatibility/2006">
-        <mc:Choice xmlns:a14="http://schemas.microsoft.com/office/drawing/2010/main" Requires="a14">
+      <mc:AlternateContent xmlns:mc="http://schemas.openxmlformats.org/markup-compatibility/2006" xmlns:a14="http://schemas.microsoft.com/office/drawing/2010/main">
+        <mc:Choice Requires="a14">
           <p:sp>
             <p:nvSpPr>
               <p:cNvPr id="3" name="Content Placeholder 2">
@@ -36607,7 +36349,7 @@
             </p:txBody>
           </p:sp>
         </mc:Choice>
-        <mc:Fallback>
+        <mc:Fallback xmlns="">
           <p:sp>
             <p:nvSpPr>
               <p:cNvPr id="3" name="Content Placeholder 2">
@@ -36628,7 +36370,7 @@
               <a:blipFill>
                 <a:blip r:embed="rId2"/>
                 <a:stretch>
-                  <a:fillRect l="-1043" t="-2241" r="-522"/>
+                  <a:fillRect l="-1043" t="-2241"/>
                 </a:stretch>
               </a:blipFill>
             </p:spPr>
@@ -36809,8 +36551,8 @@
           </a:p>
         </p:txBody>
       </p:sp>
-      <mc:AlternateContent xmlns:mc="http://schemas.openxmlformats.org/markup-compatibility/2006">
-        <mc:Choice xmlns:a14="http://schemas.microsoft.com/office/drawing/2010/main" Requires="a14">
+      <mc:AlternateContent xmlns:mc="http://schemas.openxmlformats.org/markup-compatibility/2006" xmlns:a14="http://schemas.microsoft.com/office/drawing/2010/main">
+        <mc:Choice Requires="a14">
           <p:sp>
             <p:nvSpPr>
               <p:cNvPr id="3" name="Content Placeholder 2">
@@ -37182,7 +36924,7 @@
             </p:txBody>
           </p:sp>
         </mc:Choice>
-        <mc:Fallback>
+        <mc:Fallback xmlns="">
           <p:sp>
             <p:nvSpPr>
               <p:cNvPr id="3" name="Content Placeholder 2">
@@ -39635,13 +39377,7 @@
                         <a:rPr lang="en-US" sz="1600" b="0" i="1" smtClean="0">
                           <a:latin typeface="Cambria Math" panose="02040503050406030204" pitchFamily="18" charset="0"/>
                         </a:rPr>
-                        <m:t>±</m:t>
-                      </m:r>
-                      <m:r>
-                        <a:rPr lang="en-US" sz="1600" b="0" i="1" smtClean="0">
-                          <a:latin typeface="Cambria Math" panose="02040503050406030204" pitchFamily="18" charset="0"/>
-                        </a:rPr>
-                        <m:t>2</m:t>
+                        <m:t>±2</m:t>
                       </m:r>
                       <m:acc>
                         <m:accPr>
@@ -40225,13 +39961,7 @@
                         <a:rPr lang="en-US" sz="1600" b="0" i="1" smtClean="0">
                           <a:latin typeface="Cambria Math" panose="02040503050406030204" pitchFamily="18" charset="0"/>
                         </a:rPr>
-                        <m:t>±(</m:t>
-                      </m:r>
-                      <m:r>
-                        <a:rPr lang="en-US" sz="1600" b="0" i="1" smtClean="0">
-                          <a:latin typeface="Cambria Math" panose="02040503050406030204" pitchFamily="18" charset="0"/>
-                        </a:rPr>
-                        <m:t>2</m:t>
+                        <m:t>±(2</m:t>
                       </m:r>
                       <m:acc>
                         <m:accPr>
@@ -41012,19 +40742,7 @@
                         <a:rPr lang="en-US" b="0" i="1" smtClean="0">
                           <a:latin typeface="Cambria Math" panose="02040503050406030204" pitchFamily="18" charset="0"/>
                         </a:rPr>
-                        <m:t>&gt;</m:t>
-                      </m:r>
-                      <m:r>
-                        <a:rPr lang="en-US" b="0" i="1" smtClean="0">
-                          <a:latin typeface="Cambria Math" panose="02040503050406030204" pitchFamily="18" charset="0"/>
-                        </a:rPr>
-                        <m:t>0</m:t>
-                      </m:r>
-                      <m:r>
-                        <a:rPr lang="en-US" b="0" i="1" smtClean="0">
-                          <a:latin typeface="Cambria Math" panose="02040503050406030204" pitchFamily="18" charset="0"/>
-                        </a:rPr>
-                        <m:t> </m:t>
+                        <m:t>&gt;0 </m:t>
                       </m:r>
                       <m:r>
                         <m:rPr>
